--- a/SQL/PPT/SQL 기초 개발1 개발2 과정 커리큘럼.pptx
+++ b/SQL/PPT/SQL 기초 개발1 개발2 과정 커리큘럼.pptx
@@ -420,7 +420,7 @@
           <a:p>
             <a:fld id="{D6BE4906-B050-4F26-A0A8-30A3244B869A}" type="datetimeFigureOut">
               <a:rPr lang="en-US" smtClean="0"/>
-              <a:t>5/19/2023</a:t>
+              <a:t>6/23/2023</a:t>
             </a:fld>
             <a:endParaRPr lang="en-US"/>
           </a:p>
